--- a/Gulp for DotNet Devs.pptx
+++ b/Gulp for DotNet Devs.pptx
@@ -24935,14 +24935,6 @@
               </a:spcBef>
               <a:buNone/>
             </a:pPr>
-            <a:r>
-              <a:rPr lang="en" sz="4400" b="1" dirty="0" smtClean="0">
-                <a:solidFill>
-                  <a:schemeClr val="bg1"/>
-                </a:solidFill>
-              </a:rPr>
-              <a:t>1 480 351 0059</a:t>
-            </a:r>
             <a:endParaRPr lang="en" sz="4400" b="1" dirty="0">
               <a:solidFill>
                 <a:schemeClr val="bg1"/>
